--- a/results/presentation/SPCS_Project.pptx
+++ b/results/presentation/SPCS_Project.pptx
@@ -3849,7 +3849,19 @@
           <a:p>
             <a:r>
               <a:rPr lang="en-150" sz="1400" b="1" i="1" u="sng" dirty="0" smtClean="0"/>
-              <a:t>Task 1:  Calculating the variance</a:t>
+              <a:t>Task 1:  </a:t>
+            </a:r>
+            <a:r>
+              <a:rPr lang="en-150" sz="1400" b="1" i="1" u="sng" dirty="0" smtClean="0"/>
+              <a:t>Computing </a:t>
+            </a:r>
+            <a:r>
+              <a:rPr lang="en-150" sz="1400" b="1" i="1" u="sng" dirty="0" smtClean="0"/>
+              <a:t>the </a:t>
+            </a:r>
+            <a:r>
+              <a:rPr lang="en-150" sz="1400" b="1" i="1" u="sng" dirty="0" smtClean="0"/>
+              <a:t>fluctuations</a:t>
             </a:r>
             <a:endParaRPr lang="en-150" sz="1400" dirty="0"/>
           </a:p>
@@ -4113,7 +4125,7 @@
         <p:spPr>
           <a:xfrm>
             <a:off x="525340" y="822373"/>
-            <a:ext cx="8260531" cy="338554"/>
+            <a:ext cx="7018332" cy="338554"/>
           </a:xfrm>
           <a:prstGeom prst="rect">
             <a:avLst/>
@@ -4128,8 +4140,13 @@
           <a:p>
             <a:r>
               <a:rPr lang="en-150" sz="1600" dirty="0" smtClean="0"/>
-              <a:t>Goal: analyzing macroscopic properties of atoms in a system with help of the correlation function</a:t>
-            </a:r>
+              <a:t>Goal: analyzing macroscopic properties of atoms in a system </a:t>
+            </a:r>
+            <a:r>
+              <a:rPr lang="en-150" sz="1600" dirty="0" smtClean="0"/>
+              <a:t>using MD trajectories</a:t>
+            </a:r>
+            <a:endParaRPr lang="en-150" sz="1600" dirty="0" smtClean="0"/>
           </a:p>
         </p:txBody>
       </p:sp>
@@ -4500,7 +4517,7 @@
         </p:nvSpPr>
         <p:spPr>
           <a:xfrm>
-            <a:off x="547389" y="443012"/>
+            <a:off x="547389" y="243742"/>
             <a:ext cx="3058258" cy="567133"/>
           </a:xfrm>
         </p:spPr>
@@ -4526,8 +4543,8 @@
         </p:nvSpPr>
         <p:spPr>
           <a:xfrm>
-            <a:off x="450297" y="985620"/>
-            <a:ext cx="2243115" cy="276999"/>
+            <a:off x="459822" y="835399"/>
+            <a:ext cx="2441438" cy="276999"/>
           </a:xfrm>
           <a:prstGeom prst="rect">
             <a:avLst/>
@@ -4542,7 +4559,15 @@
           <a:p>
             <a:r>
               <a:rPr lang="en-150" sz="1200" b="1" i="1" u="sng" dirty="0"/>
-              <a:t>Task 1:  Calculating the variance</a:t>
+              <a:t>Task 1:  </a:t>
+            </a:r>
+            <a:r>
+              <a:rPr lang="en-150" sz="1200" b="1" i="1" u="sng" dirty="0" smtClean="0"/>
+              <a:t>Computing </a:t>
+            </a:r>
+            <a:r>
+              <a:rPr lang="en-150" sz="1200" b="1" i="1" u="sng" dirty="0"/>
+              <a:t>the fluctuations</a:t>
             </a:r>
             <a:endParaRPr lang="en-150" sz="1200" dirty="0"/>
           </a:p>
@@ -4556,7 +4581,7 @@
         </p:nvSpPr>
         <p:spPr>
           <a:xfrm>
-            <a:off x="4587536" y="985620"/>
+            <a:off x="4587536" y="835400"/>
             <a:ext cx="3024931" cy="276999"/>
           </a:xfrm>
           <a:prstGeom prst="rect">
@@ -4584,7 +4609,7 @@
         </p:nvSpPr>
         <p:spPr>
           <a:xfrm>
-            <a:off x="5352843" y="5796845"/>
+            <a:off x="5352843" y="5622100"/>
             <a:ext cx="2259624" cy="338554"/>
           </a:xfrm>
           <a:prstGeom prst="rect">
@@ -4640,8 +4665,8 @@
         </p:blipFill>
         <p:spPr bwMode="auto">
           <a:xfrm>
-            <a:off x="547389" y="1318106"/>
-            <a:ext cx="3847963" cy="2632817"/>
+            <a:off x="547389" y="1143361"/>
+            <a:ext cx="3508793" cy="2400753"/>
           </a:xfrm>
           <a:prstGeom prst="rect">
             <a:avLst/>
@@ -4681,7 +4706,7 @@
         </p:blipFill>
         <p:spPr bwMode="auto">
           <a:xfrm>
-            <a:off x="4735490" y="1318106"/>
+            <a:off x="4735490" y="1143361"/>
             <a:ext cx="3069160" cy="2210002"/>
           </a:xfrm>
           <a:prstGeom prst="rect">
@@ -4715,7 +4740,7 @@
         </p:blipFill>
         <p:spPr>
           <a:xfrm>
-            <a:off x="4735490" y="3718859"/>
+            <a:off x="4735490" y="3544114"/>
             <a:ext cx="2903487" cy="2077986"/>
           </a:xfrm>
           <a:prstGeom prst="rect">
@@ -4746,7 +4771,7 @@
         </p:blipFill>
         <p:spPr bwMode="auto">
           <a:xfrm>
-            <a:off x="7979115" y="1318105"/>
+            <a:off x="7979115" y="1143360"/>
             <a:ext cx="3990338" cy="4478739"/>
           </a:xfrm>
           <a:prstGeom prst="rect">
@@ -4766,16 +4791,14 @@
       </p:pic>
       <p:pic>
         <p:nvPicPr>
-          <p:cNvPr id="3086" name="Picture 14" descr="GitHub Logo - Logo, zeichen, emblem, symbol. Geschichte und Bedeutung">
-            <a:hlinkClick r:id="rId7"/>
-          </p:cNvPr>
+          <p:cNvPr id="3090" name="Picture 18" descr="main_integration.png"/>
           <p:cNvPicPr>
             <a:picLocks noChangeAspect="1" noChangeArrowheads="1"/>
           </p:cNvPicPr>
           <p:nvPr/>
         </p:nvPicPr>
         <p:blipFill>
-          <a:blip r:embed="rId8" cstate="print">
+          <a:blip r:embed="rId7">
             <a:extLst>
               <a:ext uri="{28A0092B-C50C-407E-A947-70E740481C1C}">
                 <a14:useLocalDpi xmlns:a14="http://schemas.microsoft.com/office/drawing/2010/main" val="0"/>
@@ -4789,8 +4812,8 @@
         </p:blipFill>
         <p:spPr bwMode="auto">
           <a:xfrm>
-            <a:off x="11196864" y="6122457"/>
-            <a:ext cx="772589" cy="434581"/>
+            <a:off x="547389" y="3599601"/>
+            <a:ext cx="3508793" cy="2722340"/>
           </a:xfrm>
           <a:prstGeom prst="rect">
             <a:avLst/>
@@ -4807,6 +4830,119 @@
           </a:extLst>
         </p:spPr>
       </p:pic>
+      <p:pic>
+        <p:nvPicPr>
+          <p:cNvPr id="18" name="Picture 17"/>
+          <p:cNvPicPr>
+            <a:picLocks noChangeAspect="1"/>
+          </p:cNvPicPr>
+          <p:nvPr/>
+        </p:nvPicPr>
+        <p:blipFill>
+          <a:blip r:embed="rId8"/>
+          <a:stretch>
+            <a:fillRect/>
+          </a:stretch>
+        </p:blipFill>
+        <p:spPr>
+          <a:xfrm>
+            <a:off x="7979115" y="5622099"/>
+            <a:ext cx="3990338" cy="699842"/>
+          </a:xfrm>
+          <a:prstGeom prst="rect">
+            <a:avLst/>
+          </a:prstGeom>
+        </p:spPr>
+      </p:pic>
+      <p:pic>
+        <p:nvPicPr>
+          <p:cNvPr id="3086" name="Picture 14" descr="GitHub Logo - Logo, zeichen, emblem, symbol. Geschichte und Bedeutung">
+            <a:hlinkClick r:id="rId9"/>
+          </p:cNvPr>
+          <p:cNvPicPr>
+            <a:picLocks noChangeAspect="1" noChangeArrowheads="1"/>
+          </p:cNvPicPr>
+          <p:nvPr/>
+        </p:nvPicPr>
+        <p:blipFill>
+          <a:blip r:embed="rId10" cstate="print">
+            <a:extLst>
+              <a:ext uri="{28A0092B-C50C-407E-A947-70E740481C1C}">
+                <a14:useLocalDpi xmlns:a14="http://schemas.microsoft.com/office/drawing/2010/main" val="0"/>
+              </a:ext>
+            </a:extLst>
+          </a:blip>
+          <a:srcRect/>
+          <a:stretch>
+            <a:fillRect/>
+          </a:stretch>
+        </p:blipFill>
+        <p:spPr bwMode="auto">
+          <a:xfrm>
+            <a:off x="11268810" y="6104016"/>
+            <a:ext cx="774846" cy="435850"/>
+          </a:xfrm>
+          <a:prstGeom prst="rect">
+            <a:avLst/>
+          </a:prstGeom>
+          <a:noFill/>
+          <a:extLst>
+            <a:ext uri="{909E8E84-426E-40DD-AFC4-6F175D3DCCD1}">
+              <a14:hiddenFill xmlns:a14="http://schemas.microsoft.com/office/drawing/2010/main">
+                <a:solidFill>
+                  <a:srgbClr val="FFFFFF"/>
+                </a:solidFill>
+              </a14:hiddenFill>
+            </a:ext>
+          </a:extLst>
+        </p:spPr>
+      </p:pic>
+      <p:sp>
+        <p:nvSpPr>
+          <p:cNvPr id="19" name="Rectangle 18"/>
+          <p:cNvSpPr/>
+          <p:nvPr/>
+        </p:nvSpPr>
+        <p:spPr>
+          <a:xfrm>
+            <a:off x="681038" y="4862513"/>
+            <a:ext cx="3257550" cy="471487"/>
+          </a:xfrm>
+          <a:prstGeom prst="rect">
+            <a:avLst/>
+          </a:prstGeom>
+          <a:noFill/>
+          <a:ln>
+            <a:solidFill>
+              <a:srgbClr val="FF0000"/>
+            </a:solidFill>
+          </a:ln>
+        </p:spPr>
+        <p:style>
+          <a:lnRef idx="2">
+            <a:schemeClr val="accent1">
+              <a:shade val="50000"/>
+            </a:schemeClr>
+          </a:lnRef>
+          <a:fillRef idx="1">
+            <a:schemeClr val="accent1"/>
+          </a:fillRef>
+          <a:effectRef idx="0">
+            <a:schemeClr val="accent1"/>
+          </a:effectRef>
+          <a:fontRef idx="minor">
+            <a:schemeClr val="lt1"/>
+          </a:fontRef>
+        </p:style>
+        <p:txBody>
+          <a:bodyPr rtlCol="0" anchor="ctr"/>
+          <a:lstStyle/>
+          <a:p>
+            <a:pPr algn="ctr"/>
+            <a:endParaRPr lang="de-CH"/>
+          </a:p>
+        </p:txBody>
+      </p:sp>
     </p:spTree>
     <p:extLst>
       <p:ext uri="{BB962C8B-B14F-4D97-AF65-F5344CB8AC3E}">
